--- a/syllabus/week-01-course-outline-and-intro-to-DW/introduction_to_DW_and_BI_high_level/introduction_to_DW_and_BI_high_level_22_slides.pptx
+++ b/syllabus/week-01-course-outline-and-intro-to-DW/introduction_to_DW_and_BI_high_level/introduction_to_DW_and_BI_high_level_22_slides.pptx
@@ -280,7 +280,7 @@
           <a:p>
             <a:fld id="{54E15B9C-CC83-DA49-9A0D-72FCFF3E4474}" type="datetimeFigureOut">
               <a:rPr lang="en-US" smtClean="0"/>
-              <a:t>11/28/24</a:t>
+              <a:t>12/19/24</a:t>
             </a:fld>
             <a:endParaRPr lang="en-US"/>
           </a:p>
@@ -478,7 +478,7 @@
           <a:p>
             <a:fld id="{54E15B9C-CC83-DA49-9A0D-72FCFF3E4474}" type="datetimeFigureOut">
               <a:rPr lang="en-US" smtClean="0"/>
-              <a:t>11/28/24</a:t>
+              <a:t>12/19/24</a:t>
             </a:fld>
             <a:endParaRPr lang="en-US"/>
           </a:p>
@@ -686,7 +686,7 @@
           <a:p>
             <a:fld id="{54E15B9C-CC83-DA49-9A0D-72FCFF3E4474}" type="datetimeFigureOut">
               <a:rPr lang="en-US" smtClean="0"/>
-              <a:t>11/28/24</a:t>
+              <a:t>12/19/24</a:t>
             </a:fld>
             <a:endParaRPr lang="en-US"/>
           </a:p>
@@ -884,7 +884,7 @@
           <a:p>
             <a:fld id="{54E15B9C-CC83-DA49-9A0D-72FCFF3E4474}" type="datetimeFigureOut">
               <a:rPr lang="en-US" smtClean="0"/>
-              <a:t>11/28/24</a:t>
+              <a:t>12/19/24</a:t>
             </a:fld>
             <a:endParaRPr lang="en-US"/>
           </a:p>
@@ -1159,7 +1159,7 @@
           <a:p>
             <a:fld id="{54E15B9C-CC83-DA49-9A0D-72FCFF3E4474}" type="datetimeFigureOut">
               <a:rPr lang="en-US" smtClean="0"/>
-              <a:t>11/28/24</a:t>
+              <a:t>12/19/24</a:t>
             </a:fld>
             <a:endParaRPr lang="en-US"/>
           </a:p>
@@ -1424,7 +1424,7 @@
           <a:p>
             <a:fld id="{54E15B9C-CC83-DA49-9A0D-72FCFF3E4474}" type="datetimeFigureOut">
               <a:rPr lang="en-US" smtClean="0"/>
-              <a:t>11/28/24</a:t>
+              <a:t>12/19/24</a:t>
             </a:fld>
             <a:endParaRPr lang="en-US"/>
           </a:p>
@@ -1836,7 +1836,7 @@
           <a:p>
             <a:fld id="{54E15B9C-CC83-DA49-9A0D-72FCFF3E4474}" type="datetimeFigureOut">
               <a:rPr lang="en-US" smtClean="0"/>
-              <a:t>11/28/24</a:t>
+              <a:t>12/19/24</a:t>
             </a:fld>
             <a:endParaRPr lang="en-US"/>
           </a:p>
@@ -1977,7 +1977,7 @@
           <a:p>
             <a:fld id="{54E15B9C-CC83-DA49-9A0D-72FCFF3E4474}" type="datetimeFigureOut">
               <a:rPr lang="en-US" smtClean="0"/>
-              <a:t>11/28/24</a:t>
+              <a:t>12/19/24</a:t>
             </a:fld>
             <a:endParaRPr lang="en-US"/>
           </a:p>
@@ -2090,7 +2090,7 @@
           <a:p>
             <a:fld id="{54E15B9C-CC83-DA49-9A0D-72FCFF3E4474}" type="datetimeFigureOut">
               <a:rPr lang="en-US" smtClean="0"/>
-              <a:t>11/28/24</a:t>
+              <a:t>12/19/24</a:t>
             </a:fld>
             <a:endParaRPr lang="en-US"/>
           </a:p>
@@ -2401,7 +2401,7 @@
           <a:p>
             <a:fld id="{54E15B9C-CC83-DA49-9A0D-72FCFF3E4474}" type="datetimeFigureOut">
               <a:rPr lang="en-US" smtClean="0"/>
-              <a:t>11/28/24</a:t>
+              <a:t>12/19/24</a:t>
             </a:fld>
             <a:endParaRPr lang="en-US"/>
           </a:p>
@@ -2689,7 +2689,7 @@
           <a:p>
             <a:fld id="{54E15B9C-CC83-DA49-9A0D-72FCFF3E4474}" type="datetimeFigureOut">
               <a:rPr lang="en-US" smtClean="0"/>
-              <a:t>11/28/24</a:t>
+              <a:t>12/19/24</a:t>
             </a:fld>
             <a:endParaRPr lang="en-US"/>
           </a:p>
@@ -2930,7 +2930,7 @@
           <a:p>
             <a:fld id="{54E15B9C-CC83-DA49-9A0D-72FCFF3E4474}" type="datetimeFigureOut">
               <a:rPr lang="en-US" smtClean="0"/>
-              <a:t>11/28/24</a:t>
+              <a:t>12/19/24</a:t>
             </a:fld>
             <a:endParaRPr lang="en-US"/>
           </a:p>
